--- a/ppt 16-9/0445.我们要捷足先.pptx
+++ b/ppt 16-9/0445.我们要捷足先.pptx
@@ -129,7 +129,7 @@
           <p:cNvPr id="2" name="标题 1">
             <a:extLst>
               <a:ext uri="{FF2B5EF4-FFF2-40B4-BE49-F238E27FC236}">
-                <a16:creationId xmlns:a16="http://schemas.microsoft.com/office/drawing/2014/main" id="{77610BB9-C0D5-6CDF-CA17-34D0A0468417}"/>
+                <a16:creationId xmlns:a16="http://schemas.microsoft.com/office/drawing/2014/main" id="{8C1C67D0-6B54-31FB-1547-4D54AB1A050D}"/>
               </a:ext>
             </a:extLst>
           </p:cNvPr>
@@ -166,7 +166,7 @@
           <p:cNvPr id="3" name="副标题 2">
             <a:extLst>
               <a:ext uri="{FF2B5EF4-FFF2-40B4-BE49-F238E27FC236}">
-                <a16:creationId xmlns:a16="http://schemas.microsoft.com/office/drawing/2014/main" id="{88940AFF-5C17-E9C0-893C-B4CA978B9509}"/>
+                <a16:creationId xmlns:a16="http://schemas.microsoft.com/office/drawing/2014/main" id="{736020D4-1712-90E5-302F-385EE7167849}"/>
               </a:ext>
             </a:extLst>
           </p:cNvPr>
@@ -236,7 +236,7 @@
           <p:cNvPr id="4" name="日期占位符 3">
             <a:extLst>
               <a:ext uri="{FF2B5EF4-FFF2-40B4-BE49-F238E27FC236}">
-                <a16:creationId xmlns:a16="http://schemas.microsoft.com/office/drawing/2014/main" id="{2F37CB74-E84B-5048-F55B-56B7B7A684C8}"/>
+                <a16:creationId xmlns:a16="http://schemas.microsoft.com/office/drawing/2014/main" id="{19BCA515-0F61-1F3D-82CF-6E4E7A76CF56}"/>
               </a:ext>
             </a:extLst>
           </p:cNvPr>
@@ -252,7 +252,7 @@
           <a:bodyPr/>
           <a:lstStyle/>
           <a:p>
-            <a:fld id="{42D840C2-30F1-43B6-9C6B-44CB8A18888A}" type="datetimeFigureOut">
+            <a:fld id="{61F01204-0327-4292-A732-4DEBC610D04C}" type="datetimeFigureOut">
               <a:rPr lang="zh-CN" altLang="en-US" smtClean="0"/>
               <a:t>2024/3/10</a:t>
             </a:fld>
@@ -265,7 +265,7 @@
           <p:cNvPr id="5" name="页脚占位符 4">
             <a:extLst>
               <a:ext uri="{FF2B5EF4-FFF2-40B4-BE49-F238E27FC236}">
-                <a16:creationId xmlns:a16="http://schemas.microsoft.com/office/drawing/2014/main" id="{28CFE905-2418-957E-76ED-C8DCBA5B85E5}"/>
+                <a16:creationId xmlns:a16="http://schemas.microsoft.com/office/drawing/2014/main" id="{911E3739-7995-B01C-9180-E973F693850E}"/>
               </a:ext>
             </a:extLst>
           </p:cNvPr>
@@ -290,7 +290,7 @@
           <p:cNvPr id="6" name="灯片编号占位符 5">
             <a:extLst>
               <a:ext uri="{FF2B5EF4-FFF2-40B4-BE49-F238E27FC236}">
-                <a16:creationId xmlns:a16="http://schemas.microsoft.com/office/drawing/2014/main" id="{0C4131A2-2BBA-9DB4-11A2-504BFD6185EB}"/>
+                <a16:creationId xmlns:a16="http://schemas.microsoft.com/office/drawing/2014/main" id="{90C43E22-16B5-C189-1272-EFA034E3644C}"/>
               </a:ext>
             </a:extLst>
           </p:cNvPr>
@@ -306,7 +306,7 @@
           <a:bodyPr/>
           <a:lstStyle/>
           <a:p>
-            <a:fld id="{EAC74588-ED3B-4A91-BA5C-5E6FC8D857E9}" type="slidenum">
+            <a:fld id="{6CF61A30-795C-428A-9D36-BE64E9058F39}" type="slidenum">
               <a:rPr lang="zh-CN" altLang="en-US" smtClean="0"/>
               <a:t>‹#›</a:t>
             </a:fld>
@@ -317,7 +317,7 @@
     </p:spTree>
     <p:extLst>
       <p:ext uri="{BB962C8B-B14F-4D97-AF65-F5344CB8AC3E}">
-        <p14:creationId xmlns:p14="http://schemas.microsoft.com/office/powerpoint/2010/main" val="1197472622"/>
+        <p14:creationId xmlns:p14="http://schemas.microsoft.com/office/powerpoint/2010/main" val="1347778221"/>
       </p:ext>
     </p:extLst>
   </p:cSld>
@@ -349,7 +349,7 @@
           <p:cNvPr id="2" name="标题 1">
             <a:extLst>
               <a:ext uri="{FF2B5EF4-FFF2-40B4-BE49-F238E27FC236}">
-                <a16:creationId xmlns:a16="http://schemas.microsoft.com/office/drawing/2014/main" id="{46151A45-D753-3705-352E-048E45D656D2}"/>
+                <a16:creationId xmlns:a16="http://schemas.microsoft.com/office/drawing/2014/main" id="{C6DD7989-F123-0C69-8728-F45FCB593213}"/>
               </a:ext>
             </a:extLst>
           </p:cNvPr>
@@ -377,7 +377,7 @@
           <p:cNvPr id="3" name="竖排文字占位符 2">
             <a:extLst>
               <a:ext uri="{FF2B5EF4-FFF2-40B4-BE49-F238E27FC236}">
-                <a16:creationId xmlns:a16="http://schemas.microsoft.com/office/drawing/2014/main" id="{E7732191-5871-FB45-5A77-D419F2A2A43C}"/>
+                <a16:creationId xmlns:a16="http://schemas.microsoft.com/office/drawing/2014/main" id="{57A37D46-BA60-F115-D0A8-5BD833C2CBDB}"/>
               </a:ext>
             </a:extLst>
           </p:cNvPr>
@@ -434,7 +434,7 @@
           <p:cNvPr id="4" name="日期占位符 3">
             <a:extLst>
               <a:ext uri="{FF2B5EF4-FFF2-40B4-BE49-F238E27FC236}">
-                <a16:creationId xmlns:a16="http://schemas.microsoft.com/office/drawing/2014/main" id="{9A7C23F2-9E9E-F863-F430-2BF386B1B621}"/>
+                <a16:creationId xmlns:a16="http://schemas.microsoft.com/office/drawing/2014/main" id="{3AA0B524-1824-C6A7-FE81-9B87D53D8ECD}"/>
               </a:ext>
             </a:extLst>
           </p:cNvPr>
@@ -450,7 +450,7 @@
           <a:bodyPr/>
           <a:lstStyle/>
           <a:p>
-            <a:fld id="{42D840C2-30F1-43B6-9C6B-44CB8A18888A}" type="datetimeFigureOut">
+            <a:fld id="{61F01204-0327-4292-A732-4DEBC610D04C}" type="datetimeFigureOut">
               <a:rPr lang="zh-CN" altLang="en-US" smtClean="0"/>
               <a:t>2024/3/10</a:t>
             </a:fld>
@@ -463,7 +463,7 @@
           <p:cNvPr id="5" name="页脚占位符 4">
             <a:extLst>
               <a:ext uri="{FF2B5EF4-FFF2-40B4-BE49-F238E27FC236}">
-                <a16:creationId xmlns:a16="http://schemas.microsoft.com/office/drawing/2014/main" id="{5819F323-F650-89C8-0F1B-44A1DB4CADDD}"/>
+                <a16:creationId xmlns:a16="http://schemas.microsoft.com/office/drawing/2014/main" id="{AF5CD25F-C5F2-F0DA-C090-7E4090C09BCA}"/>
               </a:ext>
             </a:extLst>
           </p:cNvPr>
@@ -488,7 +488,7 @@
           <p:cNvPr id="6" name="灯片编号占位符 5">
             <a:extLst>
               <a:ext uri="{FF2B5EF4-FFF2-40B4-BE49-F238E27FC236}">
-                <a16:creationId xmlns:a16="http://schemas.microsoft.com/office/drawing/2014/main" id="{842AD784-2D31-C0DF-4FEE-A643E2AF3B3B}"/>
+                <a16:creationId xmlns:a16="http://schemas.microsoft.com/office/drawing/2014/main" id="{52E07EB0-E44B-CFD4-21FD-94E22D2E991A}"/>
               </a:ext>
             </a:extLst>
           </p:cNvPr>
@@ -504,7 +504,7 @@
           <a:bodyPr/>
           <a:lstStyle/>
           <a:p>
-            <a:fld id="{EAC74588-ED3B-4A91-BA5C-5E6FC8D857E9}" type="slidenum">
+            <a:fld id="{6CF61A30-795C-428A-9D36-BE64E9058F39}" type="slidenum">
               <a:rPr lang="zh-CN" altLang="en-US" smtClean="0"/>
               <a:t>‹#›</a:t>
             </a:fld>
@@ -515,7 +515,7 @@
     </p:spTree>
     <p:extLst>
       <p:ext uri="{BB962C8B-B14F-4D97-AF65-F5344CB8AC3E}">
-        <p14:creationId xmlns:p14="http://schemas.microsoft.com/office/powerpoint/2010/main" val="926580489"/>
+        <p14:creationId xmlns:p14="http://schemas.microsoft.com/office/powerpoint/2010/main" val="818355019"/>
       </p:ext>
     </p:extLst>
   </p:cSld>
@@ -547,7 +547,7 @@
           <p:cNvPr id="2" name="竖排标题 1">
             <a:extLst>
               <a:ext uri="{FF2B5EF4-FFF2-40B4-BE49-F238E27FC236}">
-                <a16:creationId xmlns:a16="http://schemas.microsoft.com/office/drawing/2014/main" id="{D58745C0-A905-D278-3922-995CAA31C884}"/>
+                <a16:creationId xmlns:a16="http://schemas.microsoft.com/office/drawing/2014/main" id="{AE4E299C-EDDE-560B-7C62-4EFB636F057F}"/>
               </a:ext>
             </a:extLst>
           </p:cNvPr>
@@ -580,7 +580,7 @@
           <p:cNvPr id="3" name="竖排文字占位符 2">
             <a:extLst>
               <a:ext uri="{FF2B5EF4-FFF2-40B4-BE49-F238E27FC236}">
-                <a16:creationId xmlns:a16="http://schemas.microsoft.com/office/drawing/2014/main" id="{47064E8A-BE42-F4AD-C64C-57A9A5A00DA9}"/>
+                <a16:creationId xmlns:a16="http://schemas.microsoft.com/office/drawing/2014/main" id="{D112E522-2874-A459-EA50-34AAB22F4168}"/>
               </a:ext>
             </a:extLst>
           </p:cNvPr>
@@ -642,7 +642,7 @@
           <p:cNvPr id="4" name="日期占位符 3">
             <a:extLst>
               <a:ext uri="{FF2B5EF4-FFF2-40B4-BE49-F238E27FC236}">
-                <a16:creationId xmlns:a16="http://schemas.microsoft.com/office/drawing/2014/main" id="{A35EDD91-0648-C35C-467B-02BE0B86B57C}"/>
+                <a16:creationId xmlns:a16="http://schemas.microsoft.com/office/drawing/2014/main" id="{6E34BCD5-5BAD-E9A5-DE3F-0705C7C68CFA}"/>
               </a:ext>
             </a:extLst>
           </p:cNvPr>
@@ -658,7 +658,7 @@
           <a:bodyPr/>
           <a:lstStyle/>
           <a:p>
-            <a:fld id="{42D840C2-30F1-43B6-9C6B-44CB8A18888A}" type="datetimeFigureOut">
+            <a:fld id="{61F01204-0327-4292-A732-4DEBC610D04C}" type="datetimeFigureOut">
               <a:rPr lang="zh-CN" altLang="en-US" smtClean="0"/>
               <a:t>2024/3/10</a:t>
             </a:fld>
@@ -671,7 +671,7 @@
           <p:cNvPr id="5" name="页脚占位符 4">
             <a:extLst>
               <a:ext uri="{FF2B5EF4-FFF2-40B4-BE49-F238E27FC236}">
-                <a16:creationId xmlns:a16="http://schemas.microsoft.com/office/drawing/2014/main" id="{37886593-D361-BF01-417A-F52306F4EA41}"/>
+                <a16:creationId xmlns:a16="http://schemas.microsoft.com/office/drawing/2014/main" id="{4EEEEE14-DE10-D3DA-3563-437D1C08B8D5}"/>
               </a:ext>
             </a:extLst>
           </p:cNvPr>
@@ -696,7 +696,7 @@
           <p:cNvPr id="6" name="灯片编号占位符 5">
             <a:extLst>
               <a:ext uri="{FF2B5EF4-FFF2-40B4-BE49-F238E27FC236}">
-                <a16:creationId xmlns:a16="http://schemas.microsoft.com/office/drawing/2014/main" id="{0713350F-2C43-58BF-F662-7EB458353FAF}"/>
+                <a16:creationId xmlns:a16="http://schemas.microsoft.com/office/drawing/2014/main" id="{36853845-70DD-AD04-338F-F6750CDF4BAF}"/>
               </a:ext>
             </a:extLst>
           </p:cNvPr>
@@ -712,7 +712,7 @@
           <a:bodyPr/>
           <a:lstStyle/>
           <a:p>
-            <a:fld id="{EAC74588-ED3B-4A91-BA5C-5E6FC8D857E9}" type="slidenum">
+            <a:fld id="{6CF61A30-795C-428A-9D36-BE64E9058F39}" type="slidenum">
               <a:rPr lang="zh-CN" altLang="en-US" smtClean="0"/>
               <a:t>‹#›</a:t>
             </a:fld>
@@ -723,7 +723,7 @@
     </p:spTree>
     <p:extLst>
       <p:ext uri="{BB962C8B-B14F-4D97-AF65-F5344CB8AC3E}">
-        <p14:creationId xmlns:p14="http://schemas.microsoft.com/office/powerpoint/2010/main" val="3115578407"/>
+        <p14:creationId xmlns:p14="http://schemas.microsoft.com/office/powerpoint/2010/main" val="466951768"/>
       </p:ext>
     </p:extLst>
   </p:cSld>
@@ -755,7 +755,7 @@
           <p:cNvPr id="2" name="标题 1">
             <a:extLst>
               <a:ext uri="{FF2B5EF4-FFF2-40B4-BE49-F238E27FC236}">
-                <a16:creationId xmlns:a16="http://schemas.microsoft.com/office/drawing/2014/main" id="{CA5C4EC1-294E-4F56-DD14-A4FDDF659EE7}"/>
+                <a16:creationId xmlns:a16="http://schemas.microsoft.com/office/drawing/2014/main" id="{F5CC0A6E-2EC7-AC9C-1F1C-E08D4911ADCB}"/>
               </a:ext>
             </a:extLst>
           </p:cNvPr>
@@ -783,7 +783,7 @@
           <p:cNvPr id="3" name="内容占位符 2">
             <a:extLst>
               <a:ext uri="{FF2B5EF4-FFF2-40B4-BE49-F238E27FC236}">
-                <a16:creationId xmlns:a16="http://schemas.microsoft.com/office/drawing/2014/main" id="{423B7A46-089F-AE0B-BAE6-8B36BB1918D9}"/>
+                <a16:creationId xmlns:a16="http://schemas.microsoft.com/office/drawing/2014/main" id="{C2711E9D-2C76-ACE4-BBB6-B4FD8DF1F5EE}"/>
               </a:ext>
             </a:extLst>
           </p:cNvPr>
@@ -840,7 +840,7 @@
           <p:cNvPr id="4" name="日期占位符 3">
             <a:extLst>
               <a:ext uri="{FF2B5EF4-FFF2-40B4-BE49-F238E27FC236}">
-                <a16:creationId xmlns:a16="http://schemas.microsoft.com/office/drawing/2014/main" id="{ECDD9CC1-9240-9048-C764-1B8D3B8C8BC2}"/>
+                <a16:creationId xmlns:a16="http://schemas.microsoft.com/office/drawing/2014/main" id="{AEB8B4BF-7A6B-60AC-E511-49913BC80044}"/>
               </a:ext>
             </a:extLst>
           </p:cNvPr>
@@ -856,7 +856,7 @@
           <a:bodyPr/>
           <a:lstStyle/>
           <a:p>
-            <a:fld id="{42D840C2-30F1-43B6-9C6B-44CB8A18888A}" type="datetimeFigureOut">
+            <a:fld id="{61F01204-0327-4292-A732-4DEBC610D04C}" type="datetimeFigureOut">
               <a:rPr lang="zh-CN" altLang="en-US" smtClean="0"/>
               <a:t>2024/3/10</a:t>
             </a:fld>
@@ -869,7 +869,7 @@
           <p:cNvPr id="5" name="页脚占位符 4">
             <a:extLst>
               <a:ext uri="{FF2B5EF4-FFF2-40B4-BE49-F238E27FC236}">
-                <a16:creationId xmlns:a16="http://schemas.microsoft.com/office/drawing/2014/main" id="{8E8AACA2-6EE9-4525-55DD-85F8862CFF0C}"/>
+                <a16:creationId xmlns:a16="http://schemas.microsoft.com/office/drawing/2014/main" id="{B1D8D418-4D4F-9F4E-FC12-CDD18788C222}"/>
               </a:ext>
             </a:extLst>
           </p:cNvPr>
@@ -894,7 +894,7 @@
           <p:cNvPr id="6" name="灯片编号占位符 5">
             <a:extLst>
               <a:ext uri="{FF2B5EF4-FFF2-40B4-BE49-F238E27FC236}">
-                <a16:creationId xmlns:a16="http://schemas.microsoft.com/office/drawing/2014/main" id="{08A686B5-9DE9-7CE4-F716-1808F8198C01}"/>
+                <a16:creationId xmlns:a16="http://schemas.microsoft.com/office/drawing/2014/main" id="{1457C45B-B901-0092-8652-34E4AF7C4EE5}"/>
               </a:ext>
             </a:extLst>
           </p:cNvPr>
@@ -910,7 +910,7 @@
           <a:bodyPr/>
           <a:lstStyle/>
           <a:p>
-            <a:fld id="{EAC74588-ED3B-4A91-BA5C-5E6FC8D857E9}" type="slidenum">
+            <a:fld id="{6CF61A30-795C-428A-9D36-BE64E9058F39}" type="slidenum">
               <a:rPr lang="zh-CN" altLang="en-US" smtClean="0"/>
               <a:t>‹#›</a:t>
             </a:fld>
@@ -921,7 +921,7 @@
     </p:spTree>
     <p:extLst>
       <p:ext uri="{BB962C8B-B14F-4D97-AF65-F5344CB8AC3E}">
-        <p14:creationId xmlns:p14="http://schemas.microsoft.com/office/powerpoint/2010/main" val="646008939"/>
+        <p14:creationId xmlns:p14="http://schemas.microsoft.com/office/powerpoint/2010/main" val="737161602"/>
       </p:ext>
     </p:extLst>
   </p:cSld>
@@ -953,7 +953,7 @@
           <p:cNvPr id="2" name="标题 1">
             <a:extLst>
               <a:ext uri="{FF2B5EF4-FFF2-40B4-BE49-F238E27FC236}">
-                <a16:creationId xmlns:a16="http://schemas.microsoft.com/office/drawing/2014/main" id="{E65D000B-A3CE-99F4-A28C-5C6F2D80794A}"/>
+                <a16:creationId xmlns:a16="http://schemas.microsoft.com/office/drawing/2014/main" id="{1115ADE0-79C8-E516-4D68-7801B363C07F}"/>
               </a:ext>
             </a:extLst>
           </p:cNvPr>
@@ -990,7 +990,7 @@
           <p:cNvPr id="3" name="文本占位符 2">
             <a:extLst>
               <a:ext uri="{FF2B5EF4-FFF2-40B4-BE49-F238E27FC236}">
-                <a16:creationId xmlns:a16="http://schemas.microsoft.com/office/drawing/2014/main" id="{FFD5AD97-45D5-8DA4-2291-26025D8C156D}"/>
+                <a16:creationId xmlns:a16="http://schemas.microsoft.com/office/drawing/2014/main" id="{3482939B-8301-EFE6-AB9F-11BA895EE1A7}"/>
               </a:ext>
             </a:extLst>
           </p:cNvPr>
@@ -1115,7 +1115,7 @@
           <p:cNvPr id="4" name="日期占位符 3">
             <a:extLst>
               <a:ext uri="{FF2B5EF4-FFF2-40B4-BE49-F238E27FC236}">
-                <a16:creationId xmlns:a16="http://schemas.microsoft.com/office/drawing/2014/main" id="{CDFEE02A-ED3D-BBCC-8ACE-3538FEBF2764}"/>
+                <a16:creationId xmlns:a16="http://schemas.microsoft.com/office/drawing/2014/main" id="{795D2E9A-3A11-0B9B-6669-42A751D6B547}"/>
               </a:ext>
             </a:extLst>
           </p:cNvPr>
@@ -1131,7 +1131,7 @@
           <a:bodyPr/>
           <a:lstStyle/>
           <a:p>
-            <a:fld id="{42D840C2-30F1-43B6-9C6B-44CB8A18888A}" type="datetimeFigureOut">
+            <a:fld id="{61F01204-0327-4292-A732-4DEBC610D04C}" type="datetimeFigureOut">
               <a:rPr lang="zh-CN" altLang="en-US" smtClean="0"/>
               <a:t>2024/3/10</a:t>
             </a:fld>
@@ -1144,7 +1144,7 @@
           <p:cNvPr id="5" name="页脚占位符 4">
             <a:extLst>
               <a:ext uri="{FF2B5EF4-FFF2-40B4-BE49-F238E27FC236}">
-                <a16:creationId xmlns:a16="http://schemas.microsoft.com/office/drawing/2014/main" id="{70CFA0BD-669B-06AE-552B-088E956EC55D}"/>
+                <a16:creationId xmlns:a16="http://schemas.microsoft.com/office/drawing/2014/main" id="{3ACF3A91-AA90-68DF-10B9-F31439ED3E23}"/>
               </a:ext>
             </a:extLst>
           </p:cNvPr>
@@ -1169,7 +1169,7 @@
           <p:cNvPr id="6" name="灯片编号占位符 5">
             <a:extLst>
               <a:ext uri="{FF2B5EF4-FFF2-40B4-BE49-F238E27FC236}">
-                <a16:creationId xmlns:a16="http://schemas.microsoft.com/office/drawing/2014/main" id="{0D8D9210-4E69-539E-F388-0363D4EDBD6E}"/>
+                <a16:creationId xmlns:a16="http://schemas.microsoft.com/office/drawing/2014/main" id="{EF465A4D-38D5-E980-0F45-B00CB5E09BEE}"/>
               </a:ext>
             </a:extLst>
           </p:cNvPr>
@@ -1185,7 +1185,7 @@
           <a:bodyPr/>
           <a:lstStyle/>
           <a:p>
-            <a:fld id="{EAC74588-ED3B-4A91-BA5C-5E6FC8D857E9}" type="slidenum">
+            <a:fld id="{6CF61A30-795C-428A-9D36-BE64E9058F39}" type="slidenum">
               <a:rPr lang="zh-CN" altLang="en-US" smtClean="0"/>
               <a:t>‹#›</a:t>
             </a:fld>
@@ -1196,7 +1196,7 @@
     </p:spTree>
     <p:extLst>
       <p:ext uri="{BB962C8B-B14F-4D97-AF65-F5344CB8AC3E}">
-        <p14:creationId xmlns:p14="http://schemas.microsoft.com/office/powerpoint/2010/main" val="321231892"/>
+        <p14:creationId xmlns:p14="http://schemas.microsoft.com/office/powerpoint/2010/main" val="2141967373"/>
       </p:ext>
     </p:extLst>
   </p:cSld>
@@ -1228,7 +1228,7 @@
           <p:cNvPr id="2" name="标题 1">
             <a:extLst>
               <a:ext uri="{FF2B5EF4-FFF2-40B4-BE49-F238E27FC236}">
-                <a16:creationId xmlns:a16="http://schemas.microsoft.com/office/drawing/2014/main" id="{26097754-63F9-779F-0A0A-8D0898FE61E7}"/>
+                <a16:creationId xmlns:a16="http://schemas.microsoft.com/office/drawing/2014/main" id="{9DCF84C1-DF4B-4098-8ADE-30C2187C96B4}"/>
               </a:ext>
             </a:extLst>
           </p:cNvPr>
@@ -1256,7 +1256,7 @@
           <p:cNvPr id="3" name="内容占位符 2">
             <a:extLst>
               <a:ext uri="{FF2B5EF4-FFF2-40B4-BE49-F238E27FC236}">
-                <a16:creationId xmlns:a16="http://schemas.microsoft.com/office/drawing/2014/main" id="{F2FAE6C0-1844-0027-9F94-5A99DCD905E2}"/>
+                <a16:creationId xmlns:a16="http://schemas.microsoft.com/office/drawing/2014/main" id="{E21DEDF4-A5AF-52E4-5D32-56BC3377B0D7}"/>
               </a:ext>
             </a:extLst>
           </p:cNvPr>
@@ -1318,7 +1318,7 @@
           <p:cNvPr id="4" name="内容占位符 3">
             <a:extLst>
               <a:ext uri="{FF2B5EF4-FFF2-40B4-BE49-F238E27FC236}">
-                <a16:creationId xmlns:a16="http://schemas.microsoft.com/office/drawing/2014/main" id="{1672C860-A4C8-8DBC-C1B7-45D5D565FF0D}"/>
+                <a16:creationId xmlns:a16="http://schemas.microsoft.com/office/drawing/2014/main" id="{F422253A-E995-51DD-0DFC-27EBE402AAF6}"/>
               </a:ext>
             </a:extLst>
           </p:cNvPr>
@@ -1380,7 +1380,7 @@
           <p:cNvPr id="5" name="日期占位符 4">
             <a:extLst>
               <a:ext uri="{FF2B5EF4-FFF2-40B4-BE49-F238E27FC236}">
-                <a16:creationId xmlns:a16="http://schemas.microsoft.com/office/drawing/2014/main" id="{4CDE576F-7E11-622B-1B48-05ABF8727584}"/>
+                <a16:creationId xmlns:a16="http://schemas.microsoft.com/office/drawing/2014/main" id="{DC5F8752-EABE-14B7-25E9-ABC85A168669}"/>
               </a:ext>
             </a:extLst>
           </p:cNvPr>
@@ -1396,7 +1396,7 @@
           <a:bodyPr/>
           <a:lstStyle/>
           <a:p>
-            <a:fld id="{42D840C2-30F1-43B6-9C6B-44CB8A18888A}" type="datetimeFigureOut">
+            <a:fld id="{61F01204-0327-4292-A732-4DEBC610D04C}" type="datetimeFigureOut">
               <a:rPr lang="zh-CN" altLang="en-US" smtClean="0"/>
               <a:t>2024/3/10</a:t>
             </a:fld>
@@ -1409,7 +1409,7 @@
           <p:cNvPr id="6" name="页脚占位符 5">
             <a:extLst>
               <a:ext uri="{FF2B5EF4-FFF2-40B4-BE49-F238E27FC236}">
-                <a16:creationId xmlns:a16="http://schemas.microsoft.com/office/drawing/2014/main" id="{02C191FD-CE56-AD87-B167-4B2DB0C7229E}"/>
+                <a16:creationId xmlns:a16="http://schemas.microsoft.com/office/drawing/2014/main" id="{D6FD7E28-9DAD-93BD-3EC4-C878809ED959}"/>
               </a:ext>
             </a:extLst>
           </p:cNvPr>
@@ -1434,7 +1434,7 @@
           <p:cNvPr id="7" name="灯片编号占位符 6">
             <a:extLst>
               <a:ext uri="{FF2B5EF4-FFF2-40B4-BE49-F238E27FC236}">
-                <a16:creationId xmlns:a16="http://schemas.microsoft.com/office/drawing/2014/main" id="{A9673699-201E-B293-2B5A-4DB73ED545A3}"/>
+                <a16:creationId xmlns:a16="http://schemas.microsoft.com/office/drawing/2014/main" id="{1B4EC6BD-8196-2A3A-BEF5-C687B7D1D5B2}"/>
               </a:ext>
             </a:extLst>
           </p:cNvPr>
@@ -1450,7 +1450,7 @@
           <a:bodyPr/>
           <a:lstStyle/>
           <a:p>
-            <a:fld id="{EAC74588-ED3B-4A91-BA5C-5E6FC8D857E9}" type="slidenum">
+            <a:fld id="{6CF61A30-795C-428A-9D36-BE64E9058F39}" type="slidenum">
               <a:rPr lang="zh-CN" altLang="en-US" smtClean="0"/>
               <a:t>‹#›</a:t>
             </a:fld>
@@ -1461,7 +1461,7 @@
     </p:spTree>
     <p:extLst>
       <p:ext uri="{BB962C8B-B14F-4D97-AF65-F5344CB8AC3E}">
-        <p14:creationId xmlns:p14="http://schemas.microsoft.com/office/powerpoint/2010/main" val="3784876966"/>
+        <p14:creationId xmlns:p14="http://schemas.microsoft.com/office/powerpoint/2010/main" val="813469693"/>
       </p:ext>
     </p:extLst>
   </p:cSld>
@@ -1493,7 +1493,7 @@
           <p:cNvPr id="2" name="标题 1">
             <a:extLst>
               <a:ext uri="{FF2B5EF4-FFF2-40B4-BE49-F238E27FC236}">
-                <a16:creationId xmlns:a16="http://schemas.microsoft.com/office/drawing/2014/main" id="{D18EE868-7CDF-74BC-81C6-228818D01570}"/>
+                <a16:creationId xmlns:a16="http://schemas.microsoft.com/office/drawing/2014/main" id="{BD414C85-7DD0-9CC8-5C04-65457E5F19EA}"/>
               </a:ext>
             </a:extLst>
           </p:cNvPr>
@@ -1526,7 +1526,7 @@
           <p:cNvPr id="3" name="文本占位符 2">
             <a:extLst>
               <a:ext uri="{FF2B5EF4-FFF2-40B4-BE49-F238E27FC236}">
-                <a16:creationId xmlns:a16="http://schemas.microsoft.com/office/drawing/2014/main" id="{78BCB0A0-760B-891F-6B48-08C00C5B3FAA}"/>
+                <a16:creationId xmlns:a16="http://schemas.microsoft.com/office/drawing/2014/main" id="{FDB8D7BC-00B2-285A-8402-A8209789E97E}"/>
               </a:ext>
             </a:extLst>
           </p:cNvPr>
@@ -1597,7 +1597,7 @@
           <p:cNvPr id="4" name="内容占位符 3">
             <a:extLst>
               <a:ext uri="{FF2B5EF4-FFF2-40B4-BE49-F238E27FC236}">
-                <a16:creationId xmlns:a16="http://schemas.microsoft.com/office/drawing/2014/main" id="{4DD9A755-2D04-2F31-6747-0101E377AE83}"/>
+                <a16:creationId xmlns:a16="http://schemas.microsoft.com/office/drawing/2014/main" id="{136231D7-2B6C-DF27-C904-28B696F8D984}"/>
               </a:ext>
             </a:extLst>
           </p:cNvPr>
@@ -1659,7 +1659,7 @@
           <p:cNvPr id="5" name="文本占位符 4">
             <a:extLst>
               <a:ext uri="{FF2B5EF4-FFF2-40B4-BE49-F238E27FC236}">
-                <a16:creationId xmlns:a16="http://schemas.microsoft.com/office/drawing/2014/main" id="{9AB1D7F4-1AA8-7B06-2312-7B7C19A8BBEF}"/>
+                <a16:creationId xmlns:a16="http://schemas.microsoft.com/office/drawing/2014/main" id="{8EA9A3D8-5190-E01B-9ADC-596EA8EC0915}"/>
               </a:ext>
             </a:extLst>
           </p:cNvPr>
@@ -1730,7 +1730,7 @@
           <p:cNvPr id="6" name="内容占位符 5">
             <a:extLst>
               <a:ext uri="{FF2B5EF4-FFF2-40B4-BE49-F238E27FC236}">
-                <a16:creationId xmlns:a16="http://schemas.microsoft.com/office/drawing/2014/main" id="{C96209EE-1070-17BB-12D2-422F06983C95}"/>
+                <a16:creationId xmlns:a16="http://schemas.microsoft.com/office/drawing/2014/main" id="{75D0B1C2-5C6C-B752-0557-93F32902A624}"/>
               </a:ext>
             </a:extLst>
           </p:cNvPr>
@@ -1792,7 +1792,7 @@
           <p:cNvPr id="7" name="日期占位符 6">
             <a:extLst>
               <a:ext uri="{FF2B5EF4-FFF2-40B4-BE49-F238E27FC236}">
-                <a16:creationId xmlns:a16="http://schemas.microsoft.com/office/drawing/2014/main" id="{131E7E69-79D7-E694-58D7-6D78D4490B86}"/>
+                <a16:creationId xmlns:a16="http://schemas.microsoft.com/office/drawing/2014/main" id="{91212BD4-7FC9-C559-C140-49EFA9F57E5E}"/>
               </a:ext>
             </a:extLst>
           </p:cNvPr>
@@ -1808,7 +1808,7 @@
           <a:bodyPr/>
           <a:lstStyle/>
           <a:p>
-            <a:fld id="{42D840C2-30F1-43B6-9C6B-44CB8A18888A}" type="datetimeFigureOut">
+            <a:fld id="{61F01204-0327-4292-A732-4DEBC610D04C}" type="datetimeFigureOut">
               <a:rPr lang="zh-CN" altLang="en-US" smtClean="0"/>
               <a:t>2024/3/10</a:t>
             </a:fld>
@@ -1821,7 +1821,7 @@
           <p:cNvPr id="8" name="页脚占位符 7">
             <a:extLst>
               <a:ext uri="{FF2B5EF4-FFF2-40B4-BE49-F238E27FC236}">
-                <a16:creationId xmlns:a16="http://schemas.microsoft.com/office/drawing/2014/main" id="{DB65A2C4-3A9E-F362-F882-74D791051BA0}"/>
+                <a16:creationId xmlns:a16="http://schemas.microsoft.com/office/drawing/2014/main" id="{7E528C72-3585-DDA1-9E24-1D1C2EAEBDBE}"/>
               </a:ext>
             </a:extLst>
           </p:cNvPr>
@@ -1846,7 +1846,7 @@
           <p:cNvPr id="9" name="灯片编号占位符 8">
             <a:extLst>
               <a:ext uri="{FF2B5EF4-FFF2-40B4-BE49-F238E27FC236}">
-                <a16:creationId xmlns:a16="http://schemas.microsoft.com/office/drawing/2014/main" id="{64A790EC-2A22-AE3E-A215-A852C3EE1A6C}"/>
+                <a16:creationId xmlns:a16="http://schemas.microsoft.com/office/drawing/2014/main" id="{D9F47316-A0A1-5DCE-551F-0B0B73963CB0}"/>
               </a:ext>
             </a:extLst>
           </p:cNvPr>
@@ -1862,7 +1862,7 @@
           <a:bodyPr/>
           <a:lstStyle/>
           <a:p>
-            <a:fld id="{EAC74588-ED3B-4A91-BA5C-5E6FC8D857E9}" type="slidenum">
+            <a:fld id="{6CF61A30-795C-428A-9D36-BE64E9058F39}" type="slidenum">
               <a:rPr lang="zh-CN" altLang="en-US" smtClean="0"/>
               <a:t>‹#›</a:t>
             </a:fld>
@@ -1873,7 +1873,7 @@
     </p:spTree>
     <p:extLst>
       <p:ext uri="{BB962C8B-B14F-4D97-AF65-F5344CB8AC3E}">
-        <p14:creationId xmlns:p14="http://schemas.microsoft.com/office/powerpoint/2010/main" val="2488053076"/>
+        <p14:creationId xmlns:p14="http://schemas.microsoft.com/office/powerpoint/2010/main" val="2112348407"/>
       </p:ext>
     </p:extLst>
   </p:cSld>
@@ -1905,7 +1905,7 @@
           <p:cNvPr id="2" name="标题 1">
             <a:extLst>
               <a:ext uri="{FF2B5EF4-FFF2-40B4-BE49-F238E27FC236}">
-                <a16:creationId xmlns:a16="http://schemas.microsoft.com/office/drawing/2014/main" id="{BD098334-F997-4AD5-225F-B91C9398F69D}"/>
+                <a16:creationId xmlns:a16="http://schemas.microsoft.com/office/drawing/2014/main" id="{37E3DA1E-67F3-BA41-0FF1-AAEEDF0990F7}"/>
               </a:ext>
             </a:extLst>
           </p:cNvPr>
@@ -1933,7 +1933,7 @@
           <p:cNvPr id="3" name="日期占位符 2">
             <a:extLst>
               <a:ext uri="{FF2B5EF4-FFF2-40B4-BE49-F238E27FC236}">
-                <a16:creationId xmlns:a16="http://schemas.microsoft.com/office/drawing/2014/main" id="{C1CC95D5-8222-50D5-A72E-B7FB48F313FE}"/>
+                <a16:creationId xmlns:a16="http://schemas.microsoft.com/office/drawing/2014/main" id="{02424A61-4009-6784-46E6-90A87E6DED9E}"/>
               </a:ext>
             </a:extLst>
           </p:cNvPr>
@@ -1949,7 +1949,7 @@
           <a:bodyPr/>
           <a:lstStyle/>
           <a:p>
-            <a:fld id="{42D840C2-30F1-43B6-9C6B-44CB8A18888A}" type="datetimeFigureOut">
+            <a:fld id="{61F01204-0327-4292-A732-4DEBC610D04C}" type="datetimeFigureOut">
               <a:rPr lang="zh-CN" altLang="en-US" smtClean="0"/>
               <a:t>2024/3/10</a:t>
             </a:fld>
@@ -1962,7 +1962,7 @@
           <p:cNvPr id="4" name="页脚占位符 3">
             <a:extLst>
               <a:ext uri="{FF2B5EF4-FFF2-40B4-BE49-F238E27FC236}">
-                <a16:creationId xmlns:a16="http://schemas.microsoft.com/office/drawing/2014/main" id="{D752B85E-7D77-1BAF-68C5-31F4858E1D48}"/>
+                <a16:creationId xmlns:a16="http://schemas.microsoft.com/office/drawing/2014/main" id="{DF978161-D5B9-97E6-B99C-07341A42602A}"/>
               </a:ext>
             </a:extLst>
           </p:cNvPr>
@@ -1987,7 +1987,7 @@
           <p:cNvPr id="5" name="灯片编号占位符 4">
             <a:extLst>
               <a:ext uri="{FF2B5EF4-FFF2-40B4-BE49-F238E27FC236}">
-                <a16:creationId xmlns:a16="http://schemas.microsoft.com/office/drawing/2014/main" id="{53025366-10DA-358B-F630-B80B406B8E9C}"/>
+                <a16:creationId xmlns:a16="http://schemas.microsoft.com/office/drawing/2014/main" id="{D80EDB0E-241A-4F8B-C86F-F19F62D5E9CD}"/>
               </a:ext>
             </a:extLst>
           </p:cNvPr>
@@ -2003,7 +2003,7 @@
           <a:bodyPr/>
           <a:lstStyle/>
           <a:p>
-            <a:fld id="{EAC74588-ED3B-4A91-BA5C-5E6FC8D857E9}" type="slidenum">
+            <a:fld id="{6CF61A30-795C-428A-9D36-BE64E9058F39}" type="slidenum">
               <a:rPr lang="zh-CN" altLang="en-US" smtClean="0"/>
               <a:t>‹#›</a:t>
             </a:fld>
@@ -2014,7 +2014,7 @@
     </p:spTree>
     <p:extLst>
       <p:ext uri="{BB962C8B-B14F-4D97-AF65-F5344CB8AC3E}">
-        <p14:creationId xmlns:p14="http://schemas.microsoft.com/office/powerpoint/2010/main" val="3328984996"/>
+        <p14:creationId xmlns:p14="http://schemas.microsoft.com/office/powerpoint/2010/main" val="1956620471"/>
       </p:ext>
     </p:extLst>
   </p:cSld>
@@ -2046,7 +2046,7 @@
           <p:cNvPr id="2" name="日期占位符 1">
             <a:extLst>
               <a:ext uri="{FF2B5EF4-FFF2-40B4-BE49-F238E27FC236}">
-                <a16:creationId xmlns:a16="http://schemas.microsoft.com/office/drawing/2014/main" id="{69E47748-1460-1E55-6838-37B72EF6B9D8}"/>
+                <a16:creationId xmlns:a16="http://schemas.microsoft.com/office/drawing/2014/main" id="{7B0850B7-03C8-35D8-69CB-B609E6AD9FD6}"/>
               </a:ext>
             </a:extLst>
           </p:cNvPr>
@@ -2062,7 +2062,7 @@
           <a:bodyPr/>
           <a:lstStyle/>
           <a:p>
-            <a:fld id="{42D840C2-30F1-43B6-9C6B-44CB8A18888A}" type="datetimeFigureOut">
+            <a:fld id="{61F01204-0327-4292-A732-4DEBC610D04C}" type="datetimeFigureOut">
               <a:rPr lang="zh-CN" altLang="en-US" smtClean="0"/>
               <a:t>2024/3/10</a:t>
             </a:fld>
@@ -2075,7 +2075,7 @@
           <p:cNvPr id="3" name="页脚占位符 2">
             <a:extLst>
               <a:ext uri="{FF2B5EF4-FFF2-40B4-BE49-F238E27FC236}">
-                <a16:creationId xmlns:a16="http://schemas.microsoft.com/office/drawing/2014/main" id="{A9A3B450-0FAC-1B5A-3CFC-9F24BF58277F}"/>
+                <a16:creationId xmlns:a16="http://schemas.microsoft.com/office/drawing/2014/main" id="{0340B8BA-255B-4DA2-719C-2E88D1CBF6BD}"/>
               </a:ext>
             </a:extLst>
           </p:cNvPr>
@@ -2100,7 +2100,7 @@
           <p:cNvPr id="4" name="灯片编号占位符 3">
             <a:extLst>
               <a:ext uri="{FF2B5EF4-FFF2-40B4-BE49-F238E27FC236}">
-                <a16:creationId xmlns:a16="http://schemas.microsoft.com/office/drawing/2014/main" id="{FB2C3CA2-2F1D-123A-767A-105B67007DEF}"/>
+                <a16:creationId xmlns:a16="http://schemas.microsoft.com/office/drawing/2014/main" id="{7F8D5482-7E74-7EB5-A7BE-ACD485AFA0BC}"/>
               </a:ext>
             </a:extLst>
           </p:cNvPr>
@@ -2116,7 +2116,7 @@
           <a:bodyPr/>
           <a:lstStyle/>
           <a:p>
-            <a:fld id="{EAC74588-ED3B-4A91-BA5C-5E6FC8D857E9}" type="slidenum">
+            <a:fld id="{6CF61A30-795C-428A-9D36-BE64E9058F39}" type="slidenum">
               <a:rPr lang="zh-CN" altLang="en-US" smtClean="0"/>
               <a:t>‹#›</a:t>
             </a:fld>
@@ -2127,7 +2127,7 @@
     </p:spTree>
     <p:extLst>
       <p:ext uri="{BB962C8B-B14F-4D97-AF65-F5344CB8AC3E}">
-        <p14:creationId xmlns:p14="http://schemas.microsoft.com/office/powerpoint/2010/main" val="3081405867"/>
+        <p14:creationId xmlns:p14="http://schemas.microsoft.com/office/powerpoint/2010/main" val="281861618"/>
       </p:ext>
     </p:extLst>
   </p:cSld>
@@ -2159,7 +2159,7 @@
           <p:cNvPr id="2" name="标题 1">
             <a:extLst>
               <a:ext uri="{FF2B5EF4-FFF2-40B4-BE49-F238E27FC236}">
-                <a16:creationId xmlns:a16="http://schemas.microsoft.com/office/drawing/2014/main" id="{15CF4EAE-6144-011A-463B-9A22A9C5D322}"/>
+                <a16:creationId xmlns:a16="http://schemas.microsoft.com/office/drawing/2014/main" id="{BDD3785E-16D6-430C-A766-D20941917EDF}"/>
               </a:ext>
             </a:extLst>
           </p:cNvPr>
@@ -2196,7 +2196,7 @@
           <p:cNvPr id="3" name="内容占位符 2">
             <a:extLst>
               <a:ext uri="{FF2B5EF4-FFF2-40B4-BE49-F238E27FC236}">
-                <a16:creationId xmlns:a16="http://schemas.microsoft.com/office/drawing/2014/main" id="{3D219FC9-F943-7E5C-A6C9-DBD6E0B2F2B3}"/>
+                <a16:creationId xmlns:a16="http://schemas.microsoft.com/office/drawing/2014/main" id="{495106B5-2442-91BA-AE61-A0A76168373C}"/>
               </a:ext>
             </a:extLst>
           </p:cNvPr>
@@ -2286,7 +2286,7 @@
           <p:cNvPr id="4" name="文本占位符 3">
             <a:extLst>
               <a:ext uri="{FF2B5EF4-FFF2-40B4-BE49-F238E27FC236}">
-                <a16:creationId xmlns:a16="http://schemas.microsoft.com/office/drawing/2014/main" id="{A69036DA-C470-CC47-2345-E2B28513BEBB}"/>
+                <a16:creationId xmlns:a16="http://schemas.microsoft.com/office/drawing/2014/main" id="{DB522A83-9F0C-94EB-92FD-D074B74FAF6B}"/>
               </a:ext>
             </a:extLst>
           </p:cNvPr>
@@ -2357,7 +2357,7 @@
           <p:cNvPr id="5" name="日期占位符 4">
             <a:extLst>
               <a:ext uri="{FF2B5EF4-FFF2-40B4-BE49-F238E27FC236}">
-                <a16:creationId xmlns:a16="http://schemas.microsoft.com/office/drawing/2014/main" id="{0B895536-8B44-A49A-ABE1-456657C5C600}"/>
+                <a16:creationId xmlns:a16="http://schemas.microsoft.com/office/drawing/2014/main" id="{B88CD15F-0ED7-19B6-1C79-883158B0AAD7}"/>
               </a:ext>
             </a:extLst>
           </p:cNvPr>
@@ -2373,7 +2373,7 @@
           <a:bodyPr/>
           <a:lstStyle/>
           <a:p>
-            <a:fld id="{42D840C2-30F1-43B6-9C6B-44CB8A18888A}" type="datetimeFigureOut">
+            <a:fld id="{61F01204-0327-4292-A732-4DEBC610D04C}" type="datetimeFigureOut">
               <a:rPr lang="zh-CN" altLang="en-US" smtClean="0"/>
               <a:t>2024/3/10</a:t>
             </a:fld>
@@ -2386,7 +2386,7 @@
           <p:cNvPr id="6" name="页脚占位符 5">
             <a:extLst>
               <a:ext uri="{FF2B5EF4-FFF2-40B4-BE49-F238E27FC236}">
-                <a16:creationId xmlns:a16="http://schemas.microsoft.com/office/drawing/2014/main" id="{80A657A4-7980-DCB1-4837-88E262917F6A}"/>
+                <a16:creationId xmlns:a16="http://schemas.microsoft.com/office/drawing/2014/main" id="{E8ED7159-255C-D0A8-1DF2-D5EAEF4CB9E3}"/>
               </a:ext>
             </a:extLst>
           </p:cNvPr>
@@ -2411,7 +2411,7 @@
           <p:cNvPr id="7" name="灯片编号占位符 6">
             <a:extLst>
               <a:ext uri="{FF2B5EF4-FFF2-40B4-BE49-F238E27FC236}">
-                <a16:creationId xmlns:a16="http://schemas.microsoft.com/office/drawing/2014/main" id="{01566465-B84C-BF51-44E3-8A05533C4E2D}"/>
+                <a16:creationId xmlns:a16="http://schemas.microsoft.com/office/drawing/2014/main" id="{B4FC644B-2B47-E126-90DA-F43D0FC9C2C6}"/>
               </a:ext>
             </a:extLst>
           </p:cNvPr>
@@ -2427,7 +2427,7 @@
           <a:bodyPr/>
           <a:lstStyle/>
           <a:p>
-            <a:fld id="{EAC74588-ED3B-4A91-BA5C-5E6FC8D857E9}" type="slidenum">
+            <a:fld id="{6CF61A30-795C-428A-9D36-BE64E9058F39}" type="slidenum">
               <a:rPr lang="zh-CN" altLang="en-US" smtClean="0"/>
               <a:t>‹#›</a:t>
             </a:fld>
@@ -2438,7 +2438,7 @@
     </p:spTree>
     <p:extLst>
       <p:ext uri="{BB962C8B-B14F-4D97-AF65-F5344CB8AC3E}">
-        <p14:creationId xmlns:p14="http://schemas.microsoft.com/office/powerpoint/2010/main" val="1912148490"/>
+        <p14:creationId xmlns:p14="http://schemas.microsoft.com/office/powerpoint/2010/main" val="2291729007"/>
       </p:ext>
     </p:extLst>
   </p:cSld>
@@ -2470,7 +2470,7 @@
           <p:cNvPr id="2" name="标题 1">
             <a:extLst>
               <a:ext uri="{FF2B5EF4-FFF2-40B4-BE49-F238E27FC236}">
-                <a16:creationId xmlns:a16="http://schemas.microsoft.com/office/drawing/2014/main" id="{5F4D0F04-BFF3-4634-6599-5A52A154F89C}"/>
+                <a16:creationId xmlns:a16="http://schemas.microsoft.com/office/drawing/2014/main" id="{7FD3E9D2-3A65-40FB-A2B2-2CE8E96E49B0}"/>
               </a:ext>
             </a:extLst>
           </p:cNvPr>
@@ -2507,7 +2507,7 @@
           <p:cNvPr id="3" name="图片占位符 2">
             <a:extLst>
               <a:ext uri="{FF2B5EF4-FFF2-40B4-BE49-F238E27FC236}">
-                <a16:creationId xmlns:a16="http://schemas.microsoft.com/office/drawing/2014/main" id="{0A72F21D-AB52-ADD0-D4AE-76E33352E2C9}"/>
+                <a16:creationId xmlns:a16="http://schemas.microsoft.com/office/drawing/2014/main" id="{B11E3D16-1751-276C-004C-6618D1367F16}"/>
               </a:ext>
             </a:extLst>
           </p:cNvPr>
@@ -2574,7 +2574,7 @@
           <p:cNvPr id="4" name="文本占位符 3">
             <a:extLst>
               <a:ext uri="{FF2B5EF4-FFF2-40B4-BE49-F238E27FC236}">
-                <a16:creationId xmlns:a16="http://schemas.microsoft.com/office/drawing/2014/main" id="{3AD4F08F-D94D-32BF-1E9B-51932266E468}"/>
+                <a16:creationId xmlns:a16="http://schemas.microsoft.com/office/drawing/2014/main" id="{F367350B-D950-9C27-5E4F-570D0DDC76EA}"/>
               </a:ext>
             </a:extLst>
           </p:cNvPr>
@@ -2645,7 +2645,7 @@
           <p:cNvPr id="5" name="日期占位符 4">
             <a:extLst>
               <a:ext uri="{FF2B5EF4-FFF2-40B4-BE49-F238E27FC236}">
-                <a16:creationId xmlns:a16="http://schemas.microsoft.com/office/drawing/2014/main" id="{5E900961-0EBB-FC23-B375-F0CFCF3FBD65}"/>
+                <a16:creationId xmlns:a16="http://schemas.microsoft.com/office/drawing/2014/main" id="{36DDF614-6216-9058-DC9A-9F52DD90652A}"/>
               </a:ext>
             </a:extLst>
           </p:cNvPr>
@@ -2661,7 +2661,7 @@
           <a:bodyPr/>
           <a:lstStyle/>
           <a:p>
-            <a:fld id="{42D840C2-30F1-43B6-9C6B-44CB8A18888A}" type="datetimeFigureOut">
+            <a:fld id="{61F01204-0327-4292-A732-4DEBC610D04C}" type="datetimeFigureOut">
               <a:rPr lang="zh-CN" altLang="en-US" smtClean="0"/>
               <a:t>2024/3/10</a:t>
             </a:fld>
@@ -2674,7 +2674,7 @@
           <p:cNvPr id="6" name="页脚占位符 5">
             <a:extLst>
               <a:ext uri="{FF2B5EF4-FFF2-40B4-BE49-F238E27FC236}">
-                <a16:creationId xmlns:a16="http://schemas.microsoft.com/office/drawing/2014/main" id="{2940F5E1-863E-386A-392E-8C3AD11E4709}"/>
+                <a16:creationId xmlns:a16="http://schemas.microsoft.com/office/drawing/2014/main" id="{9AD72811-C88A-EC52-3C0C-AAC77B0E4AC0}"/>
               </a:ext>
             </a:extLst>
           </p:cNvPr>
@@ -2699,7 +2699,7 @@
           <p:cNvPr id="7" name="灯片编号占位符 6">
             <a:extLst>
               <a:ext uri="{FF2B5EF4-FFF2-40B4-BE49-F238E27FC236}">
-                <a16:creationId xmlns:a16="http://schemas.microsoft.com/office/drawing/2014/main" id="{F9C1D2E5-F947-2EA7-D7A2-D68A63B6C1A3}"/>
+                <a16:creationId xmlns:a16="http://schemas.microsoft.com/office/drawing/2014/main" id="{E0FA284F-5AD3-E0DC-9380-247A23C57B52}"/>
               </a:ext>
             </a:extLst>
           </p:cNvPr>
@@ -2715,7 +2715,7 @@
           <a:bodyPr/>
           <a:lstStyle/>
           <a:p>
-            <a:fld id="{EAC74588-ED3B-4A91-BA5C-5E6FC8D857E9}" type="slidenum">
+            <a:fld id="{6CF61A30-795C-428A-9D36-BE64E9058F39}" type="slidenum">
               <a:rPr lang="zh-CN" altLang="en-US" smtClean="0"/>
               <a:t>‹#›</a:t>
             </a:fld>
@@ -2726,7 +2726,7 @@
     </p:spTree>
     <p:extLst>
       <p:ext uri="{BB962C8B-B14F-4D97-AF65-F5344CB8AC3E}">
-        <p14:creationId xmlns:p14="http://schemas.microsoft.com/office/powerpoint/2010/main" val="3363468622"/>
+        <p14:creationId xmlns:p14="http://schemas.microsoft.com/office/powerpoint/2010/main" val="1497913442"/>
       </p:ext>
     </p:extLst>
   </p:cSld>
@@ -2763,7 +2763,7 @@
           <p:cNvPr id="2" name="标题占位符 1">
             <a:extLst>
               <a:ext uri="{FF2B5EF4-FFF2-40B4-BE49-F238E27FC236}">
-                <a16:creationId xmlns:a16="http://schemas.microsoft.com/office/drawing/2014/main" id="{33E944F1-8E1F-C156-1BF5-0288DF13D109}"/>
+                <a16:creationId xmlns:a16="http://schemas.microsoft.com/office/drawing/2014/main" id="{846A631B-39AE-819C-1B50-F25BBD9E619B}"/>
               </a:ext>
             </a:extLst>
           </p:cNvPr>
@@ -2801,7 +2801,7 @@
           <p:cNvPr id="3" name="文本占位符 2">
             <a:extLst>
               <a:ext uri="{FF2B5EF4-FFF2-40B4-BE49-F238E27FC236}">
-                <a16:creationId xmlns:a16="http://schemas.microsoft.com/office/drawing/2014/main" id="{19196559-5966-4780-81C2-10EB92E5AF78}"/>
+                <a16:creationId xmlns:a16="http://schemas.microsoft.com/office/drawing/2014/main" id="{448CCDCB-0280-4D53-3130-8E61C360F7E1}"/>
               </a:ext>
             </a:extLst>
           </p:cNvPr>
@@ -2868,7 +2868,7 @@
           <p:cNvPr id="4" name="日期占位符 3">
             <a:extLst>
               <a:ext uri="{FF2B5EF4-FFF2-40B4-BE49-F238E27FC236}">
-                <a16:creationId xmlns:a16="http://schemas.microsoft.com/office/drawing/2014/main" id="{1B6CA869-AAF3-EAFF-CAB7-480948F02217}"/>
+                <a16:creationId xmlns:a16="http://schemas.microsoft.com/office/drawing/2014/main" id="{F1346C0B-1C22-4873-510D-49F0AC278D5D}"/>
               </a:ext>
             </a:extLst>
           </p:cNvPr>
@@ -2902,7 +2902,7 @@
             </a:lvl1pPr>
           </a:lstStyle>
           <a:p>
-            <a:fld id="{42D840C2-30F1-43B6-9C6B-44CB8A18888A}" type="datetimeFigureOut">
+            <a:fld id="{61F01204-0327-4292-A732-4DEBC610D04C}" type="datetimeFigureOut">
               <a:rPr lang="zh-CN" altLang="en-US" smtClean="0"/>
               <a:t>2024/3/10</a:t>
             </a:fld>
@@ -2915,7 +2915,7 @@
           <p:cNvPr id="5" name="页脚占位符 4">
             <a:extLst>
               <a:ext uri="{FF2B5EF4-FFF2-40B4-BE49-F238E27FC236}">
-                <a16:creationId xmlns:a16="http://schemas.microsoft.com/office/drawing/2014/main" id="{C11428E7-4684-D3A9-67DF-6E6659F388B2}"/>
+                <a16:creationId xmlns:a16="http://schemas.microsoft.com/office/drawing/2014/main" id="{367F5F9F-9F49-832B-24DC-6E69A5229843}"/>
               </a:ext>
             </a:extLst>
           </p:cNvPr>
@@ -2958,7 +2958,7 @@
           <p:cNvPr id="6" name="灯片编号占位符 5">
             <a:extLst>
               <a:ext uri="{FF2B5EF4-FFF2-40B4-BE49-F238E27FC236}">
-                <a16:creationId xmlns:a16="http://schemas.microsoft.com/office/drawing/2014/main" id="{3E47ADD6-AE79-AB73-255B-9C8537CB2659}"/>
+                <a16:creationId xmlns:a16="http://schemas.microsoft.com/office/drawing/2014/main" id="{0CC70EC0-CFF2-2155-A1FD-C9D5D729E257}"/>
               </a:ext>
             </a:extLst>
           </p:cNvPr>
@@ -2992,7 +2992,7 @@
             </a:lvl1pPr>
           </a:lstStyle>
           <a:p>
-            <a:fld id="{EAC74588-ED3B-4A91-BA5C-5E6FC8D857E9}" type="slidenum">
+            <a:fld id="{6CF61A30-795C-428A-9D36-BE64E9058F39}" type="slidenum">
               <a:rPr lang="zh-CN" altLang="en-US" smtClean="0"/>
               <a:t>‹#›</a:t>
             </a:fld>
@@ -3003,7 +3003,7 @@
     </p:spTree>
     <p:extLst>
       <p:ext uri="{BB962C8B-B14F-4D97-AF65-F5344CB8AC3E}">
-        <p14:creationId xmlns:p14="http://schemas.microsoft.com/office/powerpoint/2010/main" val="2582779387"/>
+        <p14:creationId xmlns:p14="http://schemas.microsoft.com/office/powerpoint/2010/main" val="1515939662"/>
       </p:ext>
     </p:extLst>
   </p:cSld>
